--- a/pdfs/ZIKA_VIRUS.pptx
+++ b/pdfs/ZIKA_VIRUS.pptx
@@ -19,8 +19,8 @@
     <p:sldId id="340" r:id="rId7"/>
     <p:sldId id="349" r:id="rId8"/>
     <p:sldId id="348" r:id="rId9"/>
-    <p:sldId id="346" r:id="rId10"/>
-    <p:sldId id="341" r:id="rId11"/>
+    <p:sldId id="341" r:id="rId10"/>
+    <p:sldId id="351" r:id="rId11"/>
     <p:sldId id="342" r:id="rId12"/>
     <p:sldId id="343" r:id="rId13"/>
     <p:sldId id="345" r:id="rId14"/>
@@ -237,7 +237,7 @@
           <a:p>
             <a:fld id="{9947A41B-C7FB-47DE-AC8E-59B97E5D108D}" type="datetimeFigureOut">
               <a:rPr lang="pt-BR" smtClean="0"/>
-              <a:t>25/05/2019</a:t>
+              <a:t>27/06/2019</a:t>
             </a:fld>
             <a:endParaRPr lang="pt-BR"/>
           </a:p>
@@ -402,7 +402,7 @@
           <a:p>
             <a:fld id="{B77D443D-CF20-41F9-A6FE-7FB4F8AEE8F2}" type="datetimeFigureOut">
               <a:rPr lang="pt-BR" smtClean="0"/>
-              <a:t>25/05/2019</a:t>
+              <a:t>27/06/2019</a:t>
             </a:fld>
             <a:endParaRPr lang="pt-BR"/>
           </a:p>
@@ -788,7 +788,7 @@
           <a:p>
             <a:fld id="{7419B51E-9AD3-456B-B117-023FDD2112B8}" type="datetimeFigureOut">
               <a:rPr lang="pt-BR" smtClean="0"/>
-              <a:t>25/05/2019</a:t>
+              <a:t>27/06/2019</a:t>
             </a:fld>
             <a:endParaRPr lang="pt-BR"/>
           </a:p>
@@ -1046,7 +1046,7 @@
           <a:p>
             <a:fld id="{247D25D4-E197-4E91-BB18-18C881F2CAC6}" type="datetimeFigureOut">
               <a:rPr lang="pt-BR" smtClean="0"/>
-              <a:t>25/05/2019</a:t>
+              <a:t>27/06/2019</a:t>
             </a:fld>
             <a:endParaRPr lang="pt-BR"/>
           </a:p>
@@ -1153,7 +1153,7 @@
           <a:p>
             <a:fld id="{247D25D4-E197-4E91-BB18-18C881F2CAC6}" type="datetimeFigureOut">
               <a:rPr lang="pt-BR" smtClean="0"/>
-              <a:t>25/05/2019</a:t>
+              <a:t>27/06/2019</a:t>
             </a:fld>
             <a:endParaRPr lang="pt-BR"/>
           </a:p>
@@ -1451,7 +1451,7 @@
           <a:p>
             <a:fld id="{247D25D4-E197-4E91-BB18-18C881F2CAC6}" type="datetimeFigureOut">
               <a:rPr lang="pt-BR" smtClean="0"/>
-              <a:t>25/05/2019</a:t>
+              <a:t>27/06/2019</a:t>
             </a:fld>
             <a:endParaRPr lang="pt-BR"/>
           </a:p>
@@ -1725,7 +1725,7 @@
           <a:p>
             <a:fld id="{247D25D4-E197-4E91-BB18-18C881F2CAC6}" type="datetimeFigureOut">
               <a:rPr lang="pt-BR" smtClean="0"/>
-              <a:t>25/05/2019</a:t>
+              <a:t>27/06/2019</a:t>
             </a:fld>
             <a:endParaRPr lang="pt-BR"/>
           </a:p>
@@ -1923,7 +1923,7 @@
           <a:p>
             <a:fld id="{247D25D4-E197-4E91-BB18-18C881F2CAC6}" type="datetimeFigureOut">
               <a:rPr lang="pt-BR" smtClean="0"/>
-              <a:t>25/05/2019</a:t>
+              <a:t>27/06/2019</a:t>
             </a:fld>
             <a:endParaRPr lang="pt-BR"/>
           </a:p>
@@ -2121,7 +2121,7 @@
           <a:p>
             <a:fld id="{247D25D4-E197-4E91-BB18-18C881F2CAC6}" type="datetimeFigureOut">
               <a:rPr lang="pt-BR" smtClean="0"/>
-              <a:t>25/05/2019</a:t>
+              <a:t>27/06/2019</a:t>
             </a:fld>
             <a:endParaRPr lang="pt-BR"/>
           </a:p>
@@ -2285,7 +2285,7 @@
           <a:p>
             <a:fld id="{7419B51E-9AD3-456B-B117-023FDD2112B8}" type="datetimeFigureOut">
               <a:rPr lang="pt-BR" smtClean="0"/>
-              <a:t>25/05/2019</a:t>
+              <a:t>27/06/2019</a:t>
             </a:fld>
             <a:endParaRPr lang="pt-BR"/>
           </a:p>
@@ -2640,7 +2640,7 @@
           <a:p>
             <a:fld id="{7419B51E-9AD3-456B-B117-023FDD2112B8}" type="datetimeFigureOut">
               <a:rPr lang="pt-BR" smtClean="0"/>
-              <a:t>25/05/2019</a:t>
+              <a:t>27/06/2019</a:t>
             </a:fld>
             <a:endParaRPr lang="pt-BR"/>
           </a:p>
@@ -3011,7 +3011,7 @@
                 </a:solidFill>
               </a:rPr>
               <a:pPr/>
-              <a:t>25/05/2019</a:t>
+              <a:t>27/06/2019</a:t>
             </a:fld>
             <a:endParaRPr lang="pt-BR" dirty="0">
               <a:solidFill>
@@ -3132,7 +3132,7 @@
           <a:p>
             <a:fld id="{7419B51E-9AD3-456B-B117-023FDD2112B8}" type="datetimeFigureOut">
               <a:rPr lang="pt-BR" smtClean="0"/>
-              <a:t>25/05/2019</a:t>
+              <a:t>27/06/2019</a:t>
             </a:fld>
             <a:endParaRPr lang="pt-BR"/>
           </a:p>
@@ -3503,7 +3503,7 @@
                 </a:solidFill>
               </a:rPr>
               <a:pPr/>
-              <a:t>25/05/2019</a:t>
+              <a:t>27/06/2019</a:t>
             </a:fld>
             <a:endParaRPr lang="pt-BR" dirty="0">
               <a:solidFill>
@@ -3725,7 +3725,7 @@
           <a:p>
             <a:fld id="{247D25D4-E197-4E91-BB18-18C881F2CAC6}" type="datetimeFigureOut">
               <a:rPr lang="pt-BR" smtClean="0"/>
-              <a:t>25/05/2019</a:t>
+              <a:t>27/06/2019</a:t>
             </a:fld>
             <a:endParaRPr lang="pt-BR"/>
           </a:p>
@@ -3923,7 +3923,7 @@
           <a:p>
             <a:fld id="{247D25D4-E197-4E91-BB18-18C881F2CAC6}" type="datetimeFigureOut">
               <a:rPr lang="pt-BR" smtClean="0"/>
-              <a:t>25/05/2019</a:t>
+              <a:t>27/06/2019</a:t>
             </a:fld>
             <a:endParaRPr lang="pt-BR"/>
           </a:p>
@@ -4187,7 +4187,7 @@
           <a:p>
             <a:fld id="{247D25D4-E197-4E91-BB18-18C881F2CAC6}" type="datetimeFigureOut">
               <a:rPr lang="pt-BR" smtClean="0"/>
-              <a:t>25/05/2019</a:t>
+              <a:t>27/06/2019</a:t>
             </a:fld>
             <a:endParaRPr lang="pt-BR"/>
           </a:p>
@@ -4501,7 +4501,7 @@
           <a:p>
             <a:fld id="{247D25D4-E197-4E91-BB18-18C881F2CAC6}" type="datetimeFigureOut">
               <a:rPr lang="pt-BR" smtClean="0"/>
-              <a:t>25/05/2019</a:t>
+              <a:t>27/06/2019</a:t>
             </a:fld>
             <a:endParaRPr lang="pt-BR"/>
           </a:p>
@@ -4955,7 +4955,7 @@
           <a:p>
             <a:fld id="{247D25D4-E197-4E91-BB18-18C881F2CAC6}" type="datetimeFigureOut">
               <a:rPr lang="pt-BR" smtClean="0"/>
-              <a:t>25/05/2019</a:t>
+              <a:t>27/06/2019</a:t>
             </a:fld>
             <a:endParaRPr lang="pt-BR"/>
           </a:p>
@@ -5180,7 +5180,7 @@
           <a:p>
             <a:fld id="{7419B51E-9AD3-456B-B117-023FDD2112B8}" type="datetimeFigureOut">
               <a:rPr lang="pt-BR" smtClean="0"/>
-              <a:t>25/05/2019</a:t>
+              <a:t>27/06/2019</a:t>
             </a:fld>
             <a:endParaRPr lang="pt-BR"/>
           </a:p>
@@ -5847,7 +5847,7 @@
           <a:p>
             <a:fld id="{66E9BCC6-78FC-4BD5-A659-CDD97B12513D}" type="datetimeFigureOut">
               <a:rPr lang="pt-BR" smtClean="0"/>
-              <a:t>25/05/2019</a:t>
+              <a:t>27/06/2019</a:t>
             </a:fld>
             <a:endParaRPr lang="pt-BR"/>
           </a:p>
@@ -6085,7 +6085,7 @@
                 </a:solidFill>
               </a:rPr>
               <a:pPr/>
-              <a:t>25/05/2019</a:t>
+              <a:t>27/06/2019</a:t>
             </a:fld>
             <a:endParaRPr lang="pt-BR" dirty="0">
               <a:solidFill>
@@ -8009,18 +8009,7 @@
                 </a:solidFill>
                 <a:latin typeface="Futura Std Medium" pitchFamily="34" charset="0"/>
               </a:rPr>
-              <a:t>Equipe </a:t>
-            </a:r>
-            <a:r>
-              <a:rPr lang="pt-BR" sz="2400" b="1" dirty="0" smtClean="0">
-                <a:solidFill>
-                  <a:schemeClr val="accent5">
-                    <a:lumMod val="50000"/>
-                  </a:schemeClr>
-                </a:solidFill>
-                <a:latin typeface="Futura Std Medium" pitchFamily="34" charset="0"/>
-              </a:rPr>
-              <a:t>8</a:t>
+              <a:t>Equipe 8</a:t>
             </a:r>
             <a:endParaRPr lang="pt-BR" sz="2400" b="1" i="1" dirty="0" smtClean="0">
               <a:solidFill>
@@ -8438,19 +8427,6 @@
               </a:rPr>
               <a:t>Vinicius Gonçalves e Silva</a:t>
             </a:r>
-            <a:endParaRPr lang="pt-BR" sz="1000" b="1" dirty="0" smtClean="0">
-              <a:solidFill>
-                <a:schemeClr val="bg1"/>
-              </a:solidFill>
-              <a:effectLst>
-                <a:outerShdw blurRad="38100" dist="38100" dir="2700000" algn="tl">
-                  <a:srgbClr val="000000">
-                    <a:alpha val="43137"/>
-                  </a:srgbClr>
-                </a:outerShdw>
-              </a:effectLst>
-              <a:latin typeface="Futura Lt BT" panose="020B0402020204020303" pitchFamily="34" charset="0"/>
-            </a:endParaRPr>
           </a:p>
           <a:p>
             <a:pPr>
@@ -9058,17 +9034,17 @@
                 <a:latin typeface="Arial" panose="020B0604020202020204" pitchFamily="34" charset="0"/>
                 <a:cs typeface="Arial" panose="020B0604020202020204" pitchFamily="34" charset="0"/>
               </a:rPr>
-              <a:t> a </a:t>
-            </a:r>
-            <a:r>
-              <a:rPr lang="pt-BR" sz="2800" dirty="0">
+              <a:t> a incidência de </a:t>
+            </a:r>
+            <a:r>
+              <a:rPr lang="pt-BR" sz="2800" b="1" dirty="0">
                 <a:solidFill>
                   <a:srgbClr val="002060"/>
                 </a:solidFill>
                 <a:latin typeface="Arial" panose="020B0604020202020204" pitchFamily="34" charset="0"/>
                 <a:cs typeface="Arial" panose="020B0604020202020204" pitchFamily="34" charset="0"/>
               </a:rPr>
-              <a:t>incidência </a:t>
+              <a:t>ZIKA VIRUS</a:t>
             </a:r>
             <a:r>
               <a:rPr lang="pt-BR" sz="2800" dirty="0">
@@ -9078,57 +9054,27 @@
                 <a:latin typeface="Arial" panose="020B0604020202020204" pitchFamily="34" charset="0"/>
                 <a:cs typeface="Arial" panose="020B0604020202020204" pitchFamily="34" charset="0"/>
               </a:rPr>
-              <a:t>de </a:t>
-            </a:r>
-            <a:r>
-              <a:rPr lang="pt-BR" sz="2800" b="1" dirty="0">
+              <a:t>, em cada </a:t>
+            </a:r>
+            <a:r>
+              <a:rPr lang="pt-BR" sz="2800" b="1" dirty="0" smtClean="0">
                 <a:solidFill>
                   <a:srgbClr val="002060"/>
                 </a:solidFill>
                 <a:latin typeface="Arial" panose="020B0604020202020204" pitchFamily="34" charset="0"/>
                 <a:cs typeface="Arial" panose="020B0604020202020204" pitchFamily="34" charset="0"/>
               </a:rPr>
-              <a:t>ZIKA VIRUS</a:t>
-            </a:r>
-            <a:r>
-              <a:rPr lang="pt-BR" sz="2800" dirty="0">
+              <a:t>município </a:t>
+            </a:r>
+            <a:r>
+              <a:rPr lang="pt-BR" sz="2800" dirty="0" smtClean="0">
                 <a:solidFill>
                   <a:srgbClr val="002060"/>
                 </a:solidFill>
                 <a:latin typeface="Arial" panose="020B0604020202020204" pitchFamily="34" charset="0"/>
                 <a:cs typeface="Arial" panose="020B0604020202020204" pitchFamily="34" charset="0"/>
               </a:rPr>
-              <a:t>, em cada </a:t>
-            </a:r>
-            <a:r>
-              <a:rPr lang="pt-BR" sz="2800" b="1" dirty="0" smtClean="0">
-                <a:solidFill>
-                  <a:srgbClr val="002060"/>
-                </a:solidFill>
-                <a:latin typeface="Arial" panose="020B0604020202020204" pitchFamily="34" charset="0"/>
-                <a:cs typeface="Arial" panose="020B0604020202020204" pitchFamily="34" charset="0"/>
-              </a:rPr>
-              <a:t>município </a:t>
-            </a:r>
-            <a:r>
-              <a:rPr lang="pt-BR" sz="2800" dirty="0" smtClean="0">
-                <a:solidFill>
-                  <a:srgbClr val="002060"/>
-                </a:solidFill>
-                <a:latin typeface="Arial" panose="020B0604020202020204" pitchFamily="34" charset="0"/>
-                <a:cs typeface="Arial" panose="020B0604020202020204" pitchFamily="34" charset="0"/>
-              </a:rPr>
-              <a:t>brasileiro</a:t>
-            </a:r>
-            <a:r>
-              <a:rPr lang="pt-BR" sz="2800" dirty="0" smtClean="0">
-                <a:solidFill>
-                  <a:srgbClr val="002060"/>
-                </a:solidFill>
-                <a:latin typeface="Arial" panose="020B0604020202020204" pitchFamily="34" charset="0"/>
-                <a:cs typeface="Arial" panose="020B0604020202020204" pitchFamily="34" charset="0"/>
-              </a:rPr>
-              <a:t>, de acordo com históricos levantados no período de </a:t>
+              <a:t>brasileiro, de acordo com históricos levantados no período de </a:t>
             </a:r>
             <a:r>
               <a:rPr lang="pt-BR" sz="2800" b="1" dirty="0" smtClean="0">
@@ -9834,11 +9780,6 @@
               </a:rPr>
               <a:t>municipal.</a:t>
             </a:r>
-            <a:endParaRPr lang="pt-BR" sz="2000" b="1" dirty="0" smtClean="0">
-              <a:solidFill>
-                <a:srgbClr val="002060"/>
-              </a:solidFill>
-            </a:endParaRPr>
           </a:p>
           <a:p>
             <a:endParaRPr lang="pt-BR" sz="2000" b="1" dirty="0">
@@ -10516,31 +10457,7 @@
                   <a:srgbClr val="002060"/>
                 </a:solidFill>
               </a:rPr>
-              <a:t>Base </a:t>
-            </a:r>
-            <a:r>
-              <a:rPr lang="pt-BR" b="1" dirty="0">
-                <a:solidFill>
-                  <a:srgbClr val="002060"/>
-                </a:solidFill>
-              </a:rPr>
-              <a:t>SAGE, </a:t>
-            </a:r>
-            <a:r>
-              <a:rPr lang="pt-BR" b="1" dirty="0">
-                <a:solidFill>
-                  <a:srgbClr val="002060"/>
-                </a:solidFill>
-              </a:rPr>
-              <a:t>com histórico de </a:t>
-            </a:r>
-            <a:r>
-              <a:rPr lang="pt-BR" b="1" dirty="0">
-                <a:solidFill>
-                  <a:srgbClr val="002060"/>
-                </a:solidFill>
-              </a:rPr>
-              <a:t>2016</a:t>
+              <a:t>Base SAGE, com histórico de 2016</a:t>
             </a:r>
             <a:r>
               <a:rPr lang="pt-BR" b="1" dirty="0" smtClean="0">
@@ -11343,23 +11260,7 @@
                   <a:srgbClr val="002060"/>
                 </a:solidFill>
               </a:rPr>
-              <a:t>http</a:t>
-            </a:r>
-            <a:r>
-              <a:rPr lang="pt-BR" dirty="0">
-                <a:solidFill>
-                  <a:srgbClr val="002060"/>
-                </a:solidFill>
-              </a:rPr>
-              <a:t>://</a:t>
-            </a:r>
-            <a:r>
-              <a:rPr lang="pt-BR" dirty="0">
-                <a:solidFill>
-                  <a:srgbClr val="002060"/>
-                </a:solidFill>
-              </a:rPr>
-              <a:t>www.atlasbrasil.org.br/2013/data/rawData/atlas2013_dadosbrutos_pt.xlsx</a:t>
+              <a:t>http://www.atlasbrasil.org.br/2013/data/rawData/atlas2013_dadosbrutos_pt.xlsx</a:t>
             </a:r>
           </a:p>
           <a:p>
@@ -12006,7 +11907,7 @@
         </p:nvSpPr>
         <p:spPr>
           <a:xfrm>
-            <a:off x="323529" y="627534"/>
+            <a:off x="323529" y="476614"/>
             <a:ext cx="8518306" cy="4524315"/>
           </a:xfrm>
           <a:prstGeom prst="rect">
@@ -12329,132 +12230,6 @@
       </p:grpSpPr>
       <p:sp>
         <p:nvSpPr>
-          <p:cNvPr id="2" name="Espaço Reservado para Conteúdo 1"/>
-          <p:cNvSpPr>
-            <a:spLocks noGrp="1"/>
-          </p:cNvSpPr>
-          <p:nvPr>
-            <p:ph idx="1"/>
-          </p:nvPr>
-        </p:nvSpPr>
-        <p:spPr/>
-        <p:txBody>
-          <a:bodyPr/>
-          <a:lstStyle/>
-          <a:p>
-            <a:endParaRPr lang="pt-BR"/>
-          </a:p>
-        </p:txBody>
-      </p:sp>
-      <p:sp>
-        <p:nvSpPr>
-          <p:cNvPr id="4" name="Espaço Reservado para Conteúdo 3"/>
-          <p:cNvSpPr>
-            <a:spLocks noGrp="1"/>
-          </p:cNvSpPr>
-          <p:nvPr>
-            <p:ph idx="13"/>
-          </p:nvPr>
-        </p:nvSpPr>
-        <p:spPr/>
-        <p:txBody>
-          <a:bodyPr/>
-          <a:lstStyle/>
-          <a:p>
-            <a:endParaRPr lang="pt-BR"/>
-          </a:p>
-        </p:txBody>
-      </p:sp>
-      <p:sp>
-        <p:nvSpPr>
-          <p:cNvPr id="6" name="Retângulo 10"/>
-          <p:cNvSpPr/>
-          <p:nvPr/>
-        </p:nvSpPr>
-        <p:spPr>
-          <a:xfrm>
-            <a:off x="3349989" y="87426"/>
-            <a:ext cx="2407519" cy="646331"/>
-          </a:xfrm>
-          <a:prstGeom prst="rect">
-            <a:avLst/>
-          </a:prstGeom>
-        </p:spPr>
-        <p:txBody>
-          <a:bodyPr wrap="none">
-            <a:spAutoFit/>
-          </a:bodyPr>
-          <a:lstStyle/>
-          <a:p>
-            <a:pPr algn="ctr"/>
-            <a:r>
-              <a:rPr lang="pt-BR" sz="3600" b="1" dirty="0" smtClean="0">
-                <a:effectLst>
-                  <a:outerShdw blurRad="38100" dist="38100" dir="2700000" algn="tl">
-                    <a:srgbClr val="000000">
-                      <a:alpha val="43137"/>
-                    </a:srgbClr>
-                  </a:outerShdw>
-                </a:effectLst>
-              </a:rPr>
-              <a:t>Arquitetura</a:t>
-            </a:r>
-            <a:endParaRPr lang="pt-BR" sz="3600" b="1" dirty="0">
-              <a:effectLst>
-                <a:outerShdw blurRad="38100" dist="38100" dir="2700000" algn="tl">
-                  <a:srgbClr val="000000">
-                    <a:alpha val="43137"/>
-                  </a:srgbClr>
-                </a:outerShdw>
-              </a:effectLst>
-            </a:endParaRPr>
-          </a:p>
-        </p:txBody>
-      </p:sp>
-    </p:spTree>
-    <p:extLst>
-      <p:ext uri="{BB962C8B-B14F-4D97-AF65-F5344CB8AC3E}">
-        <p14:creationId xmlns:p14="http://schemas.microsoft.com/office/powerpoint/2010/main" val="3522889603"/>
-      </p:ext>
-    </p:extLst>
-  </p:cSld>
-  <p:clrMapOvr>
-    <a:masterClrMapping/>
-  </p:clrMapOvr>
-  <mc:AlternateContent xmlns:mc="http://schemas.openxmlformats.org/markup-compatibility/2006" xmlns:p14="http://schemas.microsoft.com/office/powerpoint/2010/main">
-    <mc:Choice Requires="p14">
-      <p:transition spd="med" p14:dur="700">
-        <p:fade/>
-      </p:transition>
-    </mc:Choice>
-    <mc:Fallback xmlns="">
-      <p:transition spd="med">
-        <p:fade/>
-      </p:transition>
-    </mc:Fallback>
-  </mc:AlternateContent>
-</p:sld>
-</file>
-
-<file path=ppt/slides/slide9.xml><?xml version="1.0" encoding="utf-8"?>
-<p:sld xmlns:a="http://schemas.openxmlformats.org/drawingml/2006/main" xmlns:r="http://schemas.openxmlformats.org/officeDocument/2006/relationships" xmlns:p="http://schemas.openxmlformats.org/presentationml/2006/main">
-  <p:cSld>
-    <p:spTree>
-      <p:nvGrpSpPr>
-        <p:cNvPr id="1" name=""/>
-        <p:cNvGrpSpPr/>
-        <p:nvPr/>
-      </p:nvGrpSpPr>
-      <p:grpSpPr>
-        <a:xfrm>
-          <a:off x="0" y="0"/>
-          <a:ext cx="0" cy="0"/>
-          <a:chOff x="0" y="0"/>
-          <a:chExt cx="0" cy="0"/>
-        </a:xfrm>
-      </p:grpSpPr>
-      <p:sp>
-        <p:nvSpPr>
           <p:cNvPr id="3" name="Title Placeholder 1"/>
           <p:cNvSpPr txBox="1">
             <a:spLocks/>
@@ -12752,43 +12527,6 @@
           </a:prstGeom>
         </p:spPr>
       </p:pic>
-      <p:sp>
-        <p:nvSpPr>
-          <p:cNvPr id="8" name="Retângulo 7"/>
-          <p:cNvSpPr/>
-          <p:nvPr/>
-        </p:nvSpPr>
-        <p:spPr>
-          <a:xfrm>
-            <a:off x="176514" y="4724760"/>
-            <a:ext cx="301686" cy="369332"/>
-          </a:xfrm>
-          <a:prstGeom prst="rect">
-            <a:avLst/>
-          </a:prstGeom>
-        </p:spPr>
-        <p:txBody>
-          <a:bodyPr wrap="none">
-            <a:spAutoFit/>
-          </a:bodyPr>
-          <a:lstStyle/>
-          <a:p>
-            <a:r>
-              <a:rPr lang="pt-BR" dirty="0" smtClean="0">
-                <a:solidFill>
-                  <a:schemeClr val="bg1"/>
-                </a:solidFill>
-              </a:rPr>
-              <a:t>2</a:t>
-            </a:r>
-            <a:endParaRPr lang="pt-BR" dirty="0">
-              <a:solidFill>
-                <a:schemeClr val="bg1"/>
-              </a:solidFill>
-            </a:endParaRPr>
-          </a:p>
-        </p:txBody>
-      </p:sp>
       <p:pic>
         <p:nvPicPr>
           <p:cNvPr id="9" name="Imagem 8"/>
@@ -12827,8 +12565,8 @@
         </p:nvSpPr>
         <p:spPr>
           <a:xfrm>
-            <a:off x="3519646" y="123478"/>
-            <a:ext cx="2068195" cy="646331"/>
+            <a:off x="3349987" y="123478"/>
+            <a:ext cx="2407518" cy="646331"/>
           </a:xfrm>
           <a:prstGeom prst="rect">
             <a:avLst/>
@@ -12842,7 +12580,7 @@
           <a:p>
             <a:pPr algn="ctr"/>
             <a:r>
-              <a:rPr lang="pt-BR" sz="3600" b="1" dirty="0">
+              <a:rPr lang="pt-BR" sz="3600" b="1" dirty="0" smtClean="0">
                 <a:effectLst>
                   <a:outerShdw blurRad="38100" dist="38100" dir="2700000" algn="tl">
                     <a:srgbClr val="000000">
@@ -12851,8 +12589,17 @@
                   </a:outerShdw>
                 </a:effectLst>
               </a:rPr>
-              <a:t>O modelo</a:t>
-            </a:r>
+              <a:t>Arquitetura</a:t>
+            </a:r>
+            <a:endParaRPr lang="pt-BR" sz="3600" b="1" dirty="0">
+              <a:effectLst>
+                <a:outerShdw blurRad="38100" dist="38100" dir="2700000" algn="tl">
+                  <a:srgbClr val="000000">
+                    <a:alpha val="43137"/>
+                  </a:srgbClr>
+                </a:outerShdw>
+              </a:effectLst>
+            </a:endParaRPr>
           </a:p>
         </p:txBody>
       </p:sp>
@@ -12918,6 +12665,518 @@
     <p:extLst>
       <p:ext uri="{BB962C8B-B14F-4D97-AF65-F5344CB8AC3E}">
         <p14:creationId xmlns:p14="http://schemas.microsoft.com/office/powerpoint/2010/main" val="1349593178"/>
+      </p:ext>
+    </p:extLst>
+  </p:cSld>
+  <p:clrMapOvr>
+    <a:masterClrMapping/>
+  </p:clrMapOvr>
+  <mc:AlternateContent xmlns:mc="http://schemas.openxmlformats.org/markup-compatibility/2006" xmlns:p14="http://schemas.microsoft.com/office/powerpoint/2010/main">
+    <mc:Choice Requires="p14">
+      <p:transition spd="med" p14:dur="700">
+        <p:fade/>
+      </p:transition>
+    </mc:Choice>
+    <mc:Fallback xmlns="">
+      <p:transition spd="med">
+        <p:fade/>
+      </p:transition>
+    </mc:Fallback>
+  </mc:AlternateContent>
+  <p:timing>
+    <p:tnLst>
+      <p:par>
+        <p:cTn id="1" dur="indefinite" restart="never" nodeType="tmRoot"/>
+      </p:par>
+    </p:tnLst>
+  </p:timing>
+</p:sld>
+</file>
+
+<file path=ppt/slides/slide9.xml><?xml version="1.0" encoding="utf-8"?>
+<p:sld xmlns:a="http://schemas.openxmlformats.org/drawingml/2006/main" xmlns:r="http://schemas.openxmlformats.org/officeDocument/2006/relationships" xmlns:p="http://schemas.openxmlformats.org/presentationml/2006/main">
+  <p:cSld>
+    <p:spTree>
+      <p:nvGrpSpPr>
+        <p:cNvPr id="1" name=""/>
+        <p:cNvGrpSpPr/>
+        <p:nvPr/>
+      </p:nvGrpSpPr>
+      <p:grpSpPr>
+        <a:xfrm>
+          <a:off x="0" y="0"/>
+          <a:ext cx="0" cy="0"/>
+          <a:chOff x="0" y="0"/>
+          <a:chExt cx="0" cy="0"/>
+        </a:xfrm>
+      </p:grpSpPr>
+      <p:sp>
+        <p:nvSpPr>
+          <p:cNvPr id="3" name="Title Placeholder 1"/>
+          <p:cNvSpPr txBox="1">
+            <a:spLocks/>
+          </p:cNvSpPr>
+          <p:nvPr/>
+        </p:nvSpPr>
+        <p:spPr>
+          <a:xfrm>
+            <a:off x="457200" y="206375"/>
+            <a:ext cx="8229600" cy="857250"/>
+          </a:xfrm>
+          <a:prstGeom prst="rect">
+            <a:avLst/>
+          </a:prstGeom>
+        </p:spPr>
+        <p:txBody>
+          <a:bodyPr vert="horz" lIns="91440" tIns="45720" rIns="91440" bIns="45720" rtlCol="0" anchor="ctr">
+            <a:normAutofit/>
+          </a:bodyPr>
+          <a:lstStyle>
+            <a:lvl1pPr algn="ctr" defTabSz="914400" rtl="0" eaLnBrk="1" latinLnBrk="0" hangingPunct="1">
+              <a:spcBef>
+                <a:spcPct val="0"/>
+              </a:spcBef>
+              <a:buNone/>
+              <a:defRPr sz="4400" kern="1200">
+                <a:solidFill>
+                  <a:schemeClr val="tx1"/>
+                </a:solidFill>
+                <a:latin typeface="+mj-lt"/>
+                <a:ea typeface="+mj-ea"/>
+                <a:cs typeface="+mj-cs"/>
+              </a:defRPr>
+            </a:lvl1pPr>
+          </a:lstStyle>
+          <a:p>
+            <a:r>
+              <a:rPr lang="en-US" sz="4000" dirty="0" err="1" smtClean="0">
+                <a:solidFill>
+                  <a:schemeClr val="bg1"/>
+                </a:solidFill>
+                <a:latin typeface="Futura Md BT" panose="020B0602020204020303" pitchFamily="34" charset="0"/>
+              </a:rPr>
+              <a:t>Título</a:t>
+            </a:r>
+            <a:endParaRPr lang="en-US" sz="4000" dirty="0">
+              <a:solidFill>
+                <a:schemeClr val="bg1"/>
+              </a:solidFill>
+              <a:latin typeface="Futura Md BT" panose="020B0602020204020303" pitchFamily="34" charset="0"/>
+            </a:endParaRPr>
+          </a:p>
+        </p:txBody>
+      </p:sp>
+      <p:sp>
+        <p:nvSpPr>
+          <p:cNvPr id="4" name="Text Placeholder 2"/>
+          <p:cNvSpPr txBox="1">
+            <a:spLocks/>
+          </p:cNvSpPr>
+          <p:nvPr/>
+        </p:nvSpPr>
+        <p:spPr>
+          <a:xfrm>
+            <a:off x="457200" y="1200150"/>
+            <a:ext cx="8229600" cy="3394075"/>
+          </a:xfrm>
+          <a:prstGeom prst="rect">
+            <a:avLst/>
+          </a:prstGeom>
+        </p:spPr>
+        <p:txBody>
+          <a:bodyPr vert="horz" lIns="91440" tIns="45720" rIns="91440" bIns="45720" rtlCol="0">
+            <a:normAutofit/>
+          </a:bodyPr>
+          <a:lstStyle>
+            <a:lvl1pPr marL="342900" indent="-342900" algn="l" defTabSz="914400" rtl="0" eaLnBrk="1" latinLnBrk="0" hangingPunct="1">
+              <a:spcBef>
+                <a:spcPct val="20000"/>
+              </a:spcBef>
+              <a:buFont typeface="Arial" panose="020B0604020202020204" pitchFamily="34" charset="0"/>
+              <a:buChar char="•"/>
+              <a:defRPr sz="3200" kern="1200">
+                <a:solidFill>
+                  <a:schemeClr val="tx1"/>
+                </a:solidFill>
+                <a:latin typeface="+mn-lt"/>
+                <a:ea typeface="+mn-ea"/>
+                <a:cs typeface="+mn-cs"/>
+              </a:defRPr>
+            </a:lvl1pPr>
+            <a:lvl2pPr marL="742950" indent="-285750" algn="l" defTabSz="914400" rtl="0" eaLnBrk="1" latinLnBrk="0" hangingPunct="1">
+              <a:spcBef>
+                <a:spcPct val="20000"/>
+              </a:spcBef>
+              <a:buFont typeface="Arial" panose="020B0604020202020204" pitchFamily="34" charset="0"/>
+              <a:buChar char="–"/>
+              <a:defRPr sz="2800" kern="1200">
+                <a:solidFill>
+                  <a:schemeClr val="tx1"/>
+                </a:solidFill>
+                <a:latin typeface="+mn-lt"/>
+                <a:ea typeface="+mn-ea"/>
+                <a:cs typeface="+mn-cs"/>
+              </a:defRPr>
+            </a:lvl2pPr>
+            <a:lvl3pPr marL="1143000" indent="-228600" algn="l" defTabSz="914400" rtl="0" eaLnBrk="1" latinLnBrk="0" hangingPunct="1">
+              <a:spcBef>
+                <a:spcPct val="20000"/>
+              </a:spcBef>
+              <a:buFont typeface="Arial" panose="020B0604020202020204" pitchFamily="34" charset="0"/>
+              <a:buChar char="•"/>
+              <a:defRPr sz="2400" kern="1200">
+                <a:solidFill>
+                  <a:schemeClr val="tx1"/>
+                </a:solidFill>
+                <a:latin typeface="+mn-lt"/>
+                <a:ea typeface="+mn-ea"/>
+                <a:cs typeface="+mn-cs"/>
+              </a:defRPr>
+            </a:lvl3pPr>
+            <a:lvl4pPr marL="1600200" indent="-228600" algn="l" defTabSz="914400" rtl="0" eaLnBrk="1" latinLnBrk="0" hangingPunct="1">
+              <a:spcBef>
+                <a:spcPct val="20000"/>
+              </a:spcBef>
+              <a:buFont typeface="Arial" panose="020B0604020202020204" pitchFamily="34" charset="0"/>
+              <a:buChar char="–"/>
+              <a:defRPr sz="2000" kern="1200">
+                <a:solidFill>
+                  <a:schemeClr val="tx1"/>
+                </a:solidFill>
+                <a:latin typeface="+mn-lt"/>
+                <a:ea typeface="+mn-ea"/>
+                <a:cs typeface="+mn-cs"/>
+              </a:defRPr>
+            </a:lvl4pPr>
+            <a:lvl5pPr marL="2057400" indent="-228600" algn="l" defTabSz="914400" rtl="0" eaLnBrk="1" latinLnBrk="0" hangingPunct="1">
+              <a:spcBef>
+                <a:spcPct val="20000"/>
+              </a:spcBef>
+              <a:buFont typeface="Arial" panose="020B0604020202020204" pitchFamily="34" charset="0"/>
+              <a:buChar char="»"/>
+              <a:defRPr sz="2000" kern="1200">
+                <a:solidFill>
+                  <a:schemeClr val="tx1"/>
+                </a:solidFill>
+                <a:latin typeface="+mn-lt"/>
+                <a:ea typeface="+mn-ea"/>
+                <a:cs typeface="+mn-cs"/>
+              </a:defRPr>
+            </a:lvl5pPr>
+            <a:lvl6pPr marL="2514600" indent="-228600" algn="l" defTabSz="914400" rtl="0" eaLnBrk="1" latinLnBrk="0" hangingPunct="1">
+              <a:spcBef>
+                <a:spcPct val="20000"/>
+              </a:spcBef>
+              <a:buFont typeface="Arial" panose="020B0604020202020204" pitchFamily="34" charset="0"/>
+              <a:buChar char="•"/>
+              <a:defRPr sz="2000" kern="1200">
+                <a:solidFill>
+                  <a:schemeClr val="tx1"/>
+                </a:solidFill>
+                <a:latin typeface="+mn-lt"/>
+                <a:ea typeface="+mn-ea"/>
+                <a:cs typeface="+mn-cs"/>
+              </a:defRPr>
+            </a:lvl6pPr>
+            <a:lvl7pPr marL="2971800" indent="-228600" algn="l" defTabSz="914400" rtl="0" eaLnBrk="1" latinLnBrk="0" hangingPunct="1">
+              <a:spcBef>
+                <a:spcPct val="20000"/>
+              </a:spcBef>
+              <a:buFont typeface="Arial" panose="020B0604020202020204" pitchFamily="34" charset="0"/>
+              <a:buChar char="•"/>
+              <a:defRPr sz="2000" kern="1200">
+                <a:solidFill>
+                  <a:schemeClr val="tx1"/>
+                </a:solidFill>
+                <a:latin typeface="+mn-lt"/>
+                <a:ea typeface="+mn-ea"/>
+                <a:cs typeface="+mn-cs"/>
+              </a:defRPr>
+            </a:lvl7pPr>
+            <a:lvl8pPr marL="3429000" indent="-228600" algn="l" defTabSz="914400" rtl="0" eaLnBrk="1" latinLnBrk="0" hangingPunct="1">
+              <a:spcBef>
+                <a:spcPct val="20000"/>
+              </a:spcBef>
+              <a:buFont typeface="Arial" panose="020B0604020202020204" pitchFamily="34" charset="0"/>
+              <a:buChar char="•"/>
+              <a:defRPr sz="2000" kern="1200">
+                <a:solidFill>
+                  <a:schemeClr val="tx1"/>
+                </a:solidFill>
+                <a:latin typeface="+mn-lt"/>
+                <a:ea typeface="+mn-ea"/>
+                <a:cs typeface="+mn-cs"/>
+              </a:defRPr>
+            </a:lvl8pPr>
+            <a:lvl9pPr marL="3886200" indent="-228600" algn="l" defTabSz="914400" rtl="0" eaLnBrk="1" latinLnBrk="0" hangingPunct="1">
+              <a:spcBef>
+                <a:spcPct val="20000"/>
+              </a:spcBef>
+              <a:buFont typeface="Arial" panose="020B0604020202020204" pitchFamily="34" charset="0"/>
+              <a:buChar char="•"/>
+              <a:defRPr sz="2000" kern="1200">
+                <a:solidFill>
+                  <a:schemeClr val="tx1"/>
+                </a:solidFill>
+                <a:latin typeface="+mn-lt"/>
+                <a:ea typeface="+mn-ea"/>
+                <a:cs typeface="+mn-cs"/>
+              </a:defRPr>
+            </a:lvl9pPr>
+          </a:lstStyle>
+          <a:p>
+            <a:r>
+              <a:rPr lang="en-US" dirty="0" err="1" smtClean="0">
+                <a:solidFill>
+                  <a:schemeClr val="bg1"/>
+                </a:solidFill>
+              </a:rPr>
+              <a:t>Conteúdo</a:t>
+            </a:r>
+            <a:r>
+              <a:rPr lang="en-US" dirty="0" smtClean="0">
+                <a:solidFill>
+                  <a:schemeClr val="bg1"/>
+                </a:solidFill>
+              </a:rPr>
+              <a:t> 2</a:t>
+            </a:r>
+            <a:endParaRPr lang="en-US" dirty="0">
+              <a:solidFill>
+                <a:schemeClr val="bg1"/>
+              </a:solidFill>
+            </a:endParaRPr>
+          </a:p>
+        </p:txBody>
+      </p:sp>
+      <p:pic>
+        <p:nvPicPr>
+          <p:cNvPr id="5" name="Imagem 4"/>
+          <p:cNvPicPr>
+            <a:picLocks noChangeAspect="1"/>
+          </p:cNvPicPr>
+          <p:nvPr/>
+        </p:nvPicPr>
+        <p:blipFill>
+          <a:blip r:embed="rId2" cstate="print">
+            <a:extLst>
+              <a:ext uri="{28A0092B-C50C-407E-A947-70E740481C1C}">
+                <a14:useLocalDpi xmlns:a14="http://schemas.microsoft.com/office/drawing/2010/main" val="0"/>
+              </a:ext>
+            </a:extLst>
+          </a:blip>
+          <a:stretch>
+            <a:fillRect/>
+          </a:stretch>
+        </p:blipFill>
+        <p:spPr>
+          <a:xfrm>
+            <a:off x="-36512" y="0"/>
+            <a:ext cx="9180512" cy="5163392"/>
+          </a:xfrm>
+          <a:prstGeom prst="rect">
+            <a:avLst/>
+          </a:prstGeom>
+        </p:spPr>
+      </p:pic>
+      <p:pic>
+        <p:nvPicPr>
+          <p:cNvPr id="2" name="Imagem 1"/>
+          <p:cNvPicPr>
+            <a:picLocks noChangeAspect="1"/>
+          </p:cNvPicPr>
+          <p:nvPr/>
+        </p:nvPicPr>
+        <p:blipFill>
+          <a:blip r:embed="rId3" cstate="print">
+            <a:extLst>
+              <a:ext uri="{28A0092B-C50C-407E-A947-70E740481C1C}">
+                <a14:useLocalDpi xmlns:a14="http://schemas.microsoft.com/office/drawing/2010/main" val="0"/>
+              </a:ext>
+            </a:extLst>
+          </a:blip>
+          <a:stretch>
+            <a:fillRect/>
+          </a:stretch>
+        </p:blipFill>
+        <p:spPr>
+          <a:xfrm>
+            <a:off x="8028384" y="4724760"/>
+            <a:ext cx="813451" cy="335868"/>
+          </a:xfrm>
+          <a:prstGeom prst="rect">
+            <a:avLst/>
+          </a:prstGeom>
+        </p:spPr>
+      </p:pic>
+      <p:pic>
+        <p:nvPicPr>
+          <p:cNvPr id="9" name="Imagem 8"/>
+          <p:cNvPicPr>
+            <a:picLocks noChangeAspect="1"/>
+          </p:cNvPicPr>
+          <p:nvPr/>
+        </p:nvPicPr>
+        <p:blipFill>
+          <a:blip r:embed="rId4" cstate="print">
+            <a:extLst>
+              <a:ext uri="{28A0092B-C50C-407E-A947-70E740481C1C}">
+                <a14:useLocalDpi xmlns:a14="http://schemas.microsoft.com/office/drawing/2010/main" val="0"/>
+              </a:ext>
+            </a:extLst>
+          </a:blip>
+          <a:stretch>
+            <a:fillRect/>
+          </a:stretch>
+        </p:blipFill>
+        <p:spPr>
+          <a:xfrm>
+            <a:off x="6511462" y="4724761"/>
+            <a:ext cx="1300898" cy="335867"/>
+          </a:xfrm>
+          <a:prstGeom prst="rect">
+            <a:avLst/>
+          </a:prstGeom>
+        </p:spPr>
+      </p:pic>
+      <p:sp>
+        <p:nvSpPr>
+          <p:cNvPr id="10" name="Retângulo 10"/>
+          <p:cNvSpPr/>
+          <p:nvPr/>
+        </p:nvSpPr>
+        <p:spPr>
+          <a:xfrm>
+            <a:off x="2536463" y="123478"/>
+            <a:ext cx="4034566" cy="646331"/>
+          </a:xfrm>
+          <a:prstGeom prst="rect">
+            <a:avLst/>
+          </a:prstGeom>
+        </p:spPr>
+        <p:txBody>
+          <a:bodyPr wrap="none">
+            <a:spAutoFit/>
+          </a:bodyPr>
+          <a:lstStyle/>
+          <a:p>
+            <a:pPr algn="ctr"/>
+            <a:r>
+              <a:rPr lang="pt-BR" sz="3600" b="1" dirty="0" smtClean="0">
+                <a:effectLst>
+                  <a:outerShdw blurRad="38100" dist="38100" dir="2700000" algn="tl">
+                    <a:srgbClr val="000000">
+                      <a:alpha val="43137"/>
+                    </a:srgbClr>
+                  </a:outerShdw>
+                </a:effectLst>
+              </a:rPr>
+              <a:t>Arquitetura Lambda</a:t>
+            </a:r>
+            <a:endParaRPr lang="pt-BR" sz="3600" b="1" dirty="0">
+              <a:effectLst>
+                <a:outerShdw blurRad="38100" dist="38100" dir="2700000" algn="tl">
+                  <a:srgbClr val="000000">
+                    <a:alpha val="43137"/>
+                  </a:srgbClr>
+                </a:outerShdw>
+              </a:effectLst>
+            </a:endParaRPr>
+          </a:p>
+        </p:txBody>
+      </p:sp>
+      <p:sp>
+        <p:nvSpPr>
+          <p:cNvPr id="12" name="TextBox 11"/>
+          <p:cNvSpPr txBox="1"/>
+          <p:nvPr/>
+        </p:nvSpPr>
+        <p:spPr>
+          <a:xfrm>
+            <a:off x="2339752" y="885052"/>
+            <a:ext cx="8064405" cy="1477328"/>
+          </a:xfrm>
+          <a:prstGeom prst="rect">
+            <a:avLst/>
+          </a:prstGeom>
+          <a:noFill/>
+        </p:spPr>
+        <p:txBody>
+          <a:bodyPr wrap="square" rtlCol="0">
+            <a:spAutoFit/>
+          </a:bodyPr>
+          <a:lstStyle/>
+          <a:p>
+            <a:pPr marL="285750" indent="-285750">
+              <a:buFont typeface="Arial" panose="020B0604020202020204" pitchFamily="34" charset="0"/>
+              <a:buChar char="•"/>
+            </a:pPr>
+            <a:endParaRPr lang="pt-BR" dirty="0"/>
+          </a:p>
+          <a:p>
+            <a:pPr marL="285750" indent="-285750">
+              <a:buFont typeface="Arial" panose="020B0604020202020204" pitchFamily="34" charset="0"/>
+              <a:buChar char="•"/>
+            </a:pPr>
+            <a:endParaRPr lang="pt-BR" dirty="0" smtClean="0"/>
+          </a:p>
+          <a:p>
+            <a:pPr marL="285750" indent="-285750">
+              <a:buFont typeface="Arial" panose="020B0604020202020204" pitchFamily="34" charset="0"/>
+              <a:buChar char="•"/>
+            </a:pPr>
+            <a:endParaRPr lang="pt-BR" dirty="0"/>
+          </a:p>
+          <a:p>
+            <a:pPr marL="285750" indent="-285750">
+              <a:buFont typeface="Arial" panose="020B0604020202020204" pitchFamily="34" charset="0"/>
+              <a:buChar char="•"/>
+            </a:pPr>
+            <a:endParaRPr lang="pt-BR" dirty="0" smtClean="0"/>
+          </a:p>
+          <a:p>
+            <a:pPr marL="285750" indent="-285750">
+              <a:buFont typeface="Arial" panose="020B0604020202020204" pitchFamily="34" charset="0"/>
+              <a:buChar char="•"/>
+            </a:pPr>
+            <a:endParaRPr lang="pt-BR" dirty="0" smtClean="0"/>
+          </a:p>
+        </p:txBody>
+      </p:sp>
+      <p:pic>
+        <p:nvPicPr>
+          <p:cNvPr id="11" name="Imagem 10"/>
+          <p:cNvPicPr>
+            <a:picLocks noChangeAspect="1"/>
+          </p:cNvPicPr>
+          <p:nvPr/>
+        </p:nvPicPr>
+        <p:blipFill>
+          <a:blip r:embed="rId5">
+            <a:extLst>
+              <a:ext uri="{28A0092B-C50C-407E-A947-70E740481C1C}">
+                <a14:useLocalDpi xmlns:a14="http://schemas.microsoft.com/office/drawing/2010/main" val="0"/>
+              </a:ext>
+            </a:extLst>
+          </a:blip>
+          <a:stretch>
+            <a:fillRect/>
+          </a:stretch>
+        </p:blipFill>
+        <p:spPr>
+          <a:xfrm>
+            <a:off x="683568" y="768462"/>
+            <a:ext cx="8264333" cy="3706939"/>
+          </a:xfrm>
+          <a:prstGeom prst="rect">
+            <a:avLst/>
+          </a:prstGeom>
+        </p:spPr>
+      </p:pic>
+    </p:spTree>
+    <p:extLst>
+      <p:ext uri="{BB962C8B-B14F-4D97-AF65-F5344CB8AC3E}">
+        <p14:creationId xmlns:p14="http://schemas.microsoft.com/office/powerpoint/2010/main" val="2700979238"/>
       </p:ext>
     </p:extLst>
   </p:cSld>
